--- a/BNA2021_poster/presentation_2021_online_BNA.pptx
+++ b/BNA2021_poster/presentation_2021_online_BNA.pptx
@@ -217,7 +217,7 @@
           <a:p>
             <a:fld id="{4141AD60-141F-458B-8939-300B7373677F}" type="datetimeFigureOut">
               <a:rPr lang="en-GB" smtClean="0"/>
-              <a:t>02/04/2021</a:t>
+              <a:t>15/04/2021</a:t>
             </a:fld>
             <a:endParaRPr lang="en-GB"/>
           </a:p>
@@ -1232,7 +1232,7 @@
           <a:p>
             <a:fld id="{73AAEB32-6595-40D8-BBFE-7F8B6417A346}" type="datetimeFigureOut">
               <a:rPr lang="en-GB" smtClean="0"/>
-              <a:t>02/04/2021</a:t>
+              <a:t>15/04/2021</a:t>
             </a:fld>
             <a:endParaRPr lang="en-GB"/>
           </a:p>
@@ -1402,7 +1402,7 @@
           <a:p>
             <a:fld id="{73AAEB32-6595-40D8-BBFE-7F8B6417A346}" type="datetimeFigureOut">
               <a:rPr lang="en-GB" smtClean="0"/>
-              <a:t>02/04/2021</a:t>
+              <a:t>15/04/2021</a:t>
             </a:fld>
             <a:endParaRPr lang="en-GB"/>
           </a:p>
@@ -1582,7 +1582,7 @@
           <a:p>
             <a:fld id="{73AAEB32-6595-40D8-BBFE-7F8B6417A346}" type="datetimeFigureOut">
               <a:rPr lang="en-GB" smtClean="0"/>
-              <a:t>02/04/2021</a:t>
+              <a:t>15/04/2021</a:t>
             </a:fld>
             <a:endParaRPr lang="en-GB"/>
           </a:p>
@@ -1752,7 +1752,7 @@
           <a:p>
             <a:fld id="{73AAEB32-6595-40D8-BBFE-7F8B6417A346}" type="datetimeFigureOut">
               <a:rPr lang="en-GB" smtClean="0"/>
-              <a:t>02/04/2021</a:t>
+              <a:t>15/04/2021</a:t>
             </a:fld>
             <a:endParaRPr lang="en-GB"/>
           </a:p>
@@ -1998,7 +1998,7 @@
           <a:p>
             <a:fld id="{73AAEB32-6595-40D8-BBFE-7F8B6417A346}" type="datetimeFigureOut">
               <a:rPr lang="en-GB" smtClean="0"/>
-              <a:t>02/04/2021</a:t>
+              <a:t>15/04/2021</a:t>
             </a:fld>
             <a:endParaRPr lang="en-GB"/>
           </a:p>
@@ -2230,7 +2230,7 @@
           <a:p>
             <a:fld id="{73AAEB32-6595-40D8-BBFE-7F8B6417A346}" type="datetimeFigureOut">
               <a:rPr lang="en-GB" smtClean="0"/>
-              <a:t>02/04/2021</a:t>
+              <a:t>15/04/2021</a:t>
             </a:fld>
             <a:endParaRPr lang="en-GB"/>
           </a:p>
@@ -2597,7 +2597,7 @@
           <a:p>
             <a:fld id="{73AAEB32-6595-40D8-BBFE-7F8B6417A346}" type="datetimeFigureOut">
               <a:rPr lang="en-GB" smtClean="0"/>
-              <a:t>02/04/2021</a:t>
+              <a:t>15/04/2021</a:t>
             </a:fld>
             <a:endParaRPr lang="en-GB"/>
           </a:p>
@@ -2715,7 +2715,7 @@
           <a:p>
             <a:fld id="{73AAEB32-6595-40D8-BBFE-7F8B6417A346}" type="datetimeFigureOut">
               <a:rPr lang="en-GB" smtClean="0"/>
-              <a:t>02/04/2021</a:t>
+              <a:t>15/04/2021</a:t>
             </a:fld>
             <a:endParaRPr lang="en-GB"/>
           </a:p>
@@ -2810,7 +2810,7 @@
           <a:p>
             <a:fld id="{73AAEB32-6595-40D8-BBFE-7F8B6417A346}" type="datetimeFigureOut">
               <a:rPr lang="en-GB" smtClean="0"/>
-              <a:t>02/04/2021</a:t>
+              <a:t>15/04/2021</a:t>
             </a:fld>
             <a:endParaRPr lang="en-GB"/>
           </a:p>
@@ -3087,7 +3087,7 @@
           <a:p>
             <a:fld id="{73AAEB32-6595-40D8-BBFE-7F8B6417A346}" type="datetimeFigureOut">
               <a:rPr lang="en-GB" smtClean="0"/>
-              <a:t>02/04/2021</a:t>
+              <a:t>15/04/2021</a:t>
             </a:fld>
             <a:endParaRPr lang="en-GB"/>
           </a:p>
@@ -3340,7 +3340,7 @@
           <a:p>
             <a:fld id="{73AAEB32-6595-40D8-BBFE-7F8B6417A346}" type="datetimeFigureOut">
               <a:rPr lang="en-GB" smtClean="0"/>
-              <a:t>02/04/2021</a:t>
+              <a:t>15/04/2021</a:t>
             </a:fld>
             <a:endParaRPr lang="en-GB"/>
           </a:p>
@@ -3553,7 +3553,7 @@
           <a:p>
             <a:fld id="{73AAEB32-6595-40D8-BBFE-7F8B6417A346}" type="datetimeFigureOut">
               <a:rPr lang="en-GB" smtClean="0"/>
-              <a:t>02/04/2021</a:t>
+              <a:t>15/04/2021</a:t>
             </a:fld>
             <a:endParaRPr lang="en-GB"/>
           </a:p>
@@ -4255,16 +4255,17 @@
             <a:pPr lvl="1"/>
             <a:r>
               <a:rPr lang="en-GB" dirty="0" smtClean="0"/>
-              <a:t>Passive watching vs. active navigation</a:t>
-            </a:r>
-          </a:p>
-          <a:p>
-            <a:pPr lvl="1"/>
-            <a:r>
-              <a:rPr lang="en-GB" dirty="0" smtClean="0"/>
-              <a:t>Effect not replicable or too weak. </a:t>
-            </a:r>
-            <a:endParaRPr lang="en-GB" dirty="0"/>
+              <a:t>Passive watching vs. </a:t>
+            </a:r>
+            <a:r>
+              <a:rPr lang="en-GB" smtClean="0"/>
+              <a:t>active </a:t>
+            </a:r>
+            <a:r>
+              <a:rPr lang="en-GB" smtClean="0"/>
+              <a:t>navigation.</a:t>
+            </a:r>
+            <a:endParaRPr lang="en-GB" dirty="0" smtClean="0"/>
           </a:p>
         </p:txBody>
       </p:sp>
@@ -4611,6 +4612,13 @@
   <p:clrMapOvr>
     <a:masterClrMapping/>
   </p:clrMapOvr>
+  <p:timing>
+    <p:tnLst>
+      <p:par>
+        <p:cTn id="1" dur="indefinite" restart="never" nodeType="tmRoot"/>
+      </p:par>
+    </p:tnLst>
+  </p:timing>
 </p:sld>
 </file>
 
@@ -5075,7 +5083,7 @@
         </p:nvSpPr>
         <p:spPr>
           <a:xfrm>
-            <a:off x="1722601" y="5294750"/>
+            <a:off x="3398032" y="5328342"/>
             <a:ext cx="701181" cy="654477"/>
           </a:xfrm>
           <a:prstGeom prst="star5">
@@ -5109,53 +5117,13 @@
       </p:sp>
       <p:sp>
         <p:nvSpPr>
-          <p:cNvPr id="40" name="5-Point Star 39"/>
-          <p:cNvSpPr/>
-          <p:nvPr/>
-        </p:nvSpPr>
-        <p:spPr>
-          <a:xfrm>
-            <a:off x="4110906" y="5294749"/>
-            <a:ext cx="701181" cy="654477"/>
-          </a:xfrm>
-          <a:prstGeom prst="star5">
-            <a:avLst/>
-          </a:prstGeom>
-        </p:spPr>
-        <p:style>
-          <a:lnRef idx="2">
-            <a:schemeClr val="accent1">
-              <a:shade val="50000"/>
-            </a:schemeClr>
-          </a:lnRef>
-          <a:fillRef idx="1">
-            <a:schemeClr val="accent1"/>
-          </a:fillRef>
-          <a:effectRef idx="0">
-            <a:schemeClr val="accent1"/>
-          </a:effectRef>
-          <a:fontRef idx="minor">
-            <a:schemeClr val="lt1"/>
-          </a:fontRef>
-        </p:style>
-        <p:txBody>
-          <a:bodyPr rtlCol="0" anchor="ctr"/>
-          <a:lstStyle/>
-          <a:p>
-            <a:pPr algn="ctr"/>
-            <a:endParaRPr lang="en-GB"/>
-          </a:p>
-        </p:txBody>
-      </p:sp>
-      <p:sp>
-        <p:nvSpPr>
           <p:cNvPr id="41" name="5-Point Star 40"/>
           <p:cNvSpPr/>
           <p:nvPr/>
         </p:nvSpPr>
         <p:spPr>
           <a:xfrm>
-            <a:off x="6499211" y="5294748"/>
+            <a:off x="5289182" y="5297403"/>
             <a:ext cx="701181" cy="654477"/>
           </a:xfrm>
           <a:prstGeom prst="star5">
@@ -5195,7 +5163,7 @@
         </p:nvSpPr>
         <p:spPr>
           <a:xfrm>
-            <a:off x="8887516" y="5294747"/>
+            <a:off x="7677487" y="5297402"/>
             <a:ext cx="701181" cy="654477"/>
           </a:xfrm>
           <a:prstGeom prst="star5">
@@ -5235,7 +5203,7 @@
         </p:nvSpPr>
         <p:spPr>
           <a:xfrm>
-            <a:off x="2582476" y="5468582"/>
+            <a:off x="4257907" y="5502174"/>
             <a:ext cx="684867" cy="369332"/>
           </a:xfrm>
           <a:prstGeom prst="rect">
@@ -5259,14 +5227,14 @@
       </p:sp>
       <p:sp>
         <p:nvSpPr>
-          <p:cNvPr id="44" name="TextBox 43"/>
+          <p:cNvPr id="45" name="TextBox 44"/>
           <p:cNvSpPr txBox="1"/>
           <p:nvPr/>
         </p:nvSpPr>
         <p:spPr>
           <a:xfrm>
-            <a:off x="5192396" y="5486368"/>
-            <a:ext cx="545342" cy="369332"/>
+            <a:off x="6592287" y="5506809"/>
+            <a:ext cx="738792" cy="369332"/>
           </a:xfrm>
           <a:prstGeom prst="rect">
             <a:avLst/>
@@ -5281,36 +5249,6 @@
           <a:p>
             <a:r>
               <a:rPr lang="en-GB" dirty="0" smtClean="0"/>
-              <a:t>Cue</a:t>
-            </a:r>
-            <a:endParaRPr lang="en-GB" dirty="0"/>
-          </a:p>
-        </p:txBody>
-      </p:sp>
-      <p:sp>
-        <p:nvSpPr>
-          <p:cNvPr id="45" name="TextBox 44"/>
-          <p:cNvSpPr txBox="1"/>
-          <p:nvPr/>
-        </p:nvSpPr>
-        <p:spPr>
-          <a:xfrm>
-            <a:off x="7802316" y="5504154"/>
-            <a:ext cx="738792" cy="369332"/>
-          </a:xfrm>
-          <a:prstGeom prst="rect">
-            <a:avLst/>
-          </a:prstGeom>
-          <a:noFill/>
-        </p:spPr>
-        <p:txBody>
-          <a:bodyPr wrap="none" rtlCol="0">
-            <a:spAutoFit/>
-          </a:bodyPr>
-          <a:lstStyle/>
-          <a:p>
-            <a:r>
-              <a:rPr lang="en-GB" dirty="0" smtClean="0"/>
               <a:t>Probe</a:t>
             </a:r>
             <a:endParaRPr lang="en-GB" dirty="0"/>
@@ -5325,7 +5263,7 @@
         </p:nvSpPr>
         <p:spPr>
           <a:xfrm>
-            <a:off x="9989030" y="5486368"/>
+            <a:off x="8779001" y="5489023"/>
             <a:ext cx="684867" cy="369332"/>
           </a:xfrm>
           <a:prstGeom prst="rect">
@@ -6215,8 +6153,13 @@
             </a:r>
             <a:r>
               <a:rPr lang="en-GB" dirty="0" smtClean="0"/>
-              <a:t>for M-shape.</a:t>
-            </a:r>
+              <a:t>for </a:t>
+            </a:r>
+            <a:r>
+              <a:rPr lang="en-GB" dirty="0" smtClean="0"/>
+              <a:t>M-rooms.</a:t>
+            </a:r>
+            <a:endParaRPr lang="en-GB" dirty="0" smtClean="0"/>
           </a:p>
           <a:p>
             <a:endParaRPr lang="en-GB" dirty="0"/>
@@ -6263,6 +6206,13 @@
   <p:clrMapOvr>
     <a:masterClrMapping/>
   </p:clrMapOvr>
+  <p:timing>
+    <p:tnLst>
+      <p:par>
+        <p:cTn id="1" dur="indefinite" restart="never" nodeType="tmRoot"/>
+      </p:par>
+    </p:tnLst>
+  </p:timing>
 </p:sld>
 </file>
 
